--- a/108_FinalProjReview.pptx
+++ b/108_FinalProjReview.pptx
@@ -3494,7 +3494,7 @@
                   <a:srgbClr val="FFFF00"/>
                 </a:solidFill>
               </a:rPr>
-              <a:t>107 Final Project Review</a:t>
+              <a:t>108 Final Project Review</a:t>
             </a:r>
             <a:endParaRPr lang="zh-TW" altLang="en-US" sz="4800" b="1" dirty="0">
               <a:solidFill>
@@ -3692,7 +3692,7 @@
                   <a:srgbClr val="FFFF00"/>
                 </a:solidFill>
               </a:rPr>
-              <a:t>107.1 Data Preparation</a:t>
+              <a:t>108.1 Data Preparation</a:t>
             </a:r>
             <a:endParaRPr lang="zh-TW" altLang="en-US" b="1" dirty="0">
               <a:solidFill>
@@ -4208,7 +4208,7 @@
                   <a:srgbClr val="FFFF00"/>
                 </a:solidFill>
               </a:rPr>
-              <a:t>107.2 Decision Tree</a:t>
+              <a:t>108.2 Decision Tree</a:t>
             </a:r>
             <a:endParaRPr lang="zh-TW" altLang="en-US" sz="4800" b="1" dirty="0">
               <a:solidFill>
@@ -4381,7 +4381,7 @@
                   <a:srgbClr val="FFFF00"/>
                 </a:solidFill>
               </a:rPr>
-              <a:t>107.2 Decision Tree</a:t>
+              <a:t>108.2 Decision Tree</a:t>
             </a:r>
             <a:endParaRPr lang="zh-TW" altLang="en-US" b="1" dirty="0">
               <a:solidFill>
@@ -4897,7 +4897,7 @@
                   <a:srgbClr val="FFFF00"/>
                 </a:solidFill>
               </a:rPr>
-              <a:t>107.2 Decision Tree</a:t>
+              <a:t>108.2 Decision Tree</a:t>
             </a:r>
             <a:endParaRPr lang="zh-TW" altLang="en-US" b="1" dirty="0">
               <a:solidFill>
@@ -5389,7 +5389,7 @@
                   <a:srgbClr val="FFFF00"/>
                 </a:solidFill>
               </a:rPr>
-              <a:t>107.3 Random Forest</a:t>
+              <a:t>108.3 Random Forest</a:t>
             </a:r>
             <a:endParaRPr lang="zh-TW" altLang="en-US" sz="4800" b="1" dirty="0">
               <a:solidFill>
@@ -5562,7 +5562,7 @@
                   <a:srgbClr val="FFFF00"/>
                 </a:solidFill>
               </a:rPr>
-              <a:t>107.3 Random Forest</a:t>
+              <a:t>108.3 Random Forest</a:t>
             </a:r>
             <a:endParaRPr lang="zh-TW" altLang="en-US" b="1" dirty="0">
               <a:solidFill>
@@ -6054,7 +6054,7 @@
                   <a:srgbClr val="FFFF00"/>
                 </a:solidFill>
               </a:rPr>
-              <a:t>107.4 SVM</a:t>
+              <a:t>108.4 SVM</a:t>
             </a:r>
             <a:endParaRPr lang="zh-TW" altLang="en-US" sz="4800" b="1" dirty="0">
               <a:solidFill>
@@ -6227,7 +6227,7 @@
                   <a:srgbClr val="FFFF00"/>
                 </a:solidFill>
               </a:rPr>
-              <a:t>107.4 SVM</a:t>
+              <a:t>108.4 SVM</a:t>
             </a:r>
             <a:endParaRPr lang="zh-TW" altLang="en-US" b="1" dirty="0">
               <a:solidFill>
@@ -6701,7 +6701,7 @@
                   <a:srgbClr val="FFFF00"/>
                 </a:solidFill>
               </a:rPr>
-              <a:t>107.5 KNN</a:t>
+              <a:t>108.5 KNN</a:t>
             </a:r>
             <a:endParaRPr lang="zh-TW" altLang="en-US" sz="4800" b="1" dirty="0">
               <a:solidFill>
@@ -6874,7 +6874,7 @@
                   <a:srgbClr val="FFFF00"/>
                 </a:solidFill>
               </a:rPr>
-              <a:t>107.5 KNN</a:t>
+              <a:t>108.5 KNN</a:t>
             </a:r>
             <a:endParaRPr lang="zh-TW" altLang="en-US" b="1" dirty="0">
               <a:solidFill>
@@ -7390,7 +7390,7 @@
                   <a:srgbClr val="FFFF00"/>
                 </a:solidFill>
               </a:rPr>
-              <a:t>107 Final Project Review</a:t>
+              <a:t>108 Final Project Review</a:t>
             </a:r>
             <a:endParaRPr lang="zh-TW" altLang="en-US" b="1" dirty="0">
               <a:solidFill>
@@ -7907,7 +7907,7 @@
                   <a:srgbClr val="FFFF00"/>
                 </a:solidFill>
               </a:rPr>
-              <a:t>107.6 Naïve Bayes</a:t>
+              <a:t>108.6 Naïve Bayes</a:t>
             </a:r>
             <a:endParaRPr lang="zh-TW" altLang="en-US" sz="4800" b="1" dirty="0">
               <a:solidFill>
@@ -8080,7 +8080,7 @@
                   <a:srgbClr val="FFFF00"/>
                 </a:solidFill>
               </a:rPr>
-              <a:t>107.6 Naïve Bayes</a:t>
+              <a:t>108.6 Naïve Bayes</a:t>
             </a:r>
             <a:endParaRPr lang="zh-TW" altLang="en-US" b="1" dirty="0">
               <a:solidFill>
@@ -8554,7 +8554,7 @@
                   <a:srgbClr val="FFFF00"/>
                 </a:solidFill>
               </a:rPr>
-              <a:t>107.7 Different Kernel of SVM</a:t>
+              <a:t>108.7 Different Kernel of SVM</a:t>
             </a:r>
             <a:endParaRPr lang="zh-TW" altLang="en-US" sz="4800" b="1" dirty="0">
               <a:solidFill>
@@ -8727,7 +8727,7 @@
                   <a:srgbClr val="FFFF00"/>
                 </a:solidFill>
               </a:rPr>
-              <a:t>107.7 Different Kernel of SVM</a:t>
+              <a:t>108.7 Different Kernel of SVM</a:t>
             </a:r>
             <a:endParaRPr lang="zh-TW" altLang="en-US" b="1" dirty="0">
               <a:solidFill>
@@ -9251,7 +9251,7 @@
                   <a:srgbClr val="FFFF00"/>
                 </a:solidFill>
               </a:rPr>
-              <a:t>107.8 Logistic Regression</a:t>
+              <a:t>108.8 Logistic Regression</a:t>
             </a:r>
             <a:endParaRPr lang="zh-TW" altLang="en-US" sz="4800" b="1" dirty="0">
               <a:solidFill>
@@ -9424,7 +9424,7 @@
                   <a:srgbClr val="FFFF00"/>
                 </a:solidFill>
               </a:rPr>
-              <a:t>107.8 Logistic Regression</a:t>
+              <a:t>108.8 Logistic Regression</a:t>
             </a:r>
             <a:endParaRPr lang="zh-TW" altLang="en-US" b="1" dirty="0">
               <a:solidFill>
@@ -9916,7 +9916,7 @@
                   <a:srgbClr val="FFFF00"/>
                 </a:solidFill>
               </a:rPr>
-              <a:t>107.9 Neural Network</a:t>
+              <a:t>108.9 Neural Network</a:t>
             </a:r>
             <a:endParaRPr lang="zh-TW" altLang="en-US" sz="4800" b="1" dirty="0">
               <a:solidFill>
@@ -10089,7 +10089,7 @@
                   <a:srgbClr val="FFFF00"/>
                 </a:solidFill>
               </a:rPr>
-              <a:t>107.9 Neural Network</a:t>
+              <a:t>108.9 Neural Network</a:t>
             </a:r>
             <a:endParaRPr lang="zh-TW" altLang="en-US" b="1" dirty="0">
               <a:solidFill>
@@ -10615,7 +10615,7 @@
                   <a:srgbClr val="FFFF00"/>
                 </a:solidFill>
               </a:rPr>
-              <a:t>107.10 Who is Winner?</a:t>
+              <a:t>108.10 Who is Winner?</a:t>
             </a:r>
             <a:endParaRPr lang="zh-TW" altLang="en-US" sz="4800" b="1" dirty="0">
               <a:solidFill>
@@ -10788,7 +10788,7 @@
                   <a:srgbClr val="FFFF00"/>
                 </a:solidFill>
               </a:rPr>
-              <a:t>107.10 Who is Winner?</a:t>
+              <a:t>108.10 Who is Winner?</a:t>
             </a:r>
             <a:endParaRPr lang="zh-TW" altLang="en-US" b="1" dirty="0">
               <a:solidFill>
@@ -11276,7 +11276,7 @@
                   <a:srgbClr val="FFFF00"/>
                 </a:solidFill>
               </a:rPr>
-              <a:t>107.1 Data Preparation</a:t>
+              <a:t>108.1 Data Preparation</a:t>
             </a:r>
             <a:endParaRPr lang="zh-TW" altLang="en-US" sz="4800" b="1" dirty="0">
               <a:solidFill>
@@ -11586,7 +11586,7 @@
                   <a:srgbClr val="FFFF00"/>
                 </a:solidFill>
               </a:rPr>
-              <a:t>107.1 Data Preparation</a:t>
+              <a:t>108.1 Data Preparation</a:t>
             </a:r>
             <a:endParaRPr lang="zh-TW" altLang="en-US" b="1" dirty="0">
               <a:solidFill>
@@ -12127,7 +12127,7 @@
                   <a:srgbClr val="FFFF00"/>
                 </a:solidFill>
               </a:rPr>
-              <a:t>107.1 Data Preparation</a:t>
+              <a:t>108.1 Data Preparation</a:t>
             </a:r>
             <a:endParaRPr lang="zh-TW" altLang="en-US" b="1" dirty="0">
               <a:solidFill>
@@ -12644,7 +12644,7 @@
                   <a:srgbClr val="FFFF00"/>
                 </a:solidFill>
               </a:rPr>
-              <a:t>107.1 Data Preparation</a:t>
+              <a:t>108.1 Data Preparation</a:t>
             </a:r>
             <a:endParaRPr lang="zh-TW" altLang="en-US" b="1" dirty="0">
               <a:solidFill>
@@ -13191,7 +13191,7 @@
                   <a:srgbClr val="FFFF00"/>
                 </a:solidFill>
               </a:rPr>
-              <a:t>107.1 Data Preparation</a:t>
+              <a:t>108.1 Data Preparation</a:t>
             </a:r>
             <a:endParaRPr lang="zh-TW" altLang="en-US" b="1" dirty="0">
               <a:solidFill>
@@ -13714,7 +13714,7 @@
                   <a:srgbClr val="FFFF00"/>
                 </a:solidFill>
               </a:rPr>
-              <a:t>107.1 Data Preparation</a:t>
+              <a:t>108.1 Data Preparation</a:t>
             </a:r>
             <a:endParaRPr lang="zh-TW" altLang="en-US" b="1" dirty="0">
               <a:solidFill>
@@ -14273,7 +14273,7 @@
                   <a:srgbClr val="FFFF00"/>
                 </a:solidFill>
               </a:rPr>
-              <a:t>107.1 Data Preparation</a:t>
+              <a:t>108.1 Data Preparation</a:t>
             </a:r>
             <a:endParaRPr lang="zh-TW" altLang="en-US" b="1" dirty="0">
               <a:solidFill>
